--- a/Reference TA/Buku TA/Progress TA.pptx
+++ b/Reference TA/Buku TA/Progress TA.pptx
@@ -16,7 +16,9 @@
     <p:sldId id="268" r:id="rId10"/>
     <p:sldId id="267" r:id="rId11"/>
     <p:sldId id="269" r:id="rId12"/>
-    <p:sldId id="265" r:id="rId13"/>
+    <p:sldId id="271" r:id="rId13"/>
+    <p:sldId id="272" r:id="rId14"/>
+    <p:sldId id="265" r:id="rId15"/>
   </p:sldIdLst>
   <p:sldSz cx="12192000" cy="6858000"/>
   <p:notesSz cx="6858000" cy="9144000"/>
@@ -265,7 +267,7 @@
           <a:p>
             <a:fld id="{22F880B2-9842-47D4-A8D5-606D9FD2D962}" type="datetimeFigureOut">
               <a:rPr lang="en-US" smtClean="0"/>
-              <a:t>5/7/2016</a:t>
+              <a:t>5/10/2016</a:t>
             </a:fld>
             <a:endParaRPr lang="en-US"/>
           </a:p>
@@ -435,7 +437,7 @@
           <a:p>
             <a:fld id="{22F880B2-9842-47D4-A8D5-606D9FD2D962}" type="datetimeFigureOut">
               <a:rPr lang="en-US" smtClean="0"/>
-              <a:t>5/7/2016</a:t>
+              <a:t>5/10/2016</a:t>
             </a:fld>
             <a:endParaRPr lang="en-US"/>
           </a:p>
@@ -615,7 +617,7 @@
           <a:p>
             <a:fld id="{22F880B2-9842-47D4-A8D5-606D9FD2D962}" type="datetimeFigureOut">
               <a:rPr lang="en-US" smtClean="0"/>
-              <a:t>5/7/2016</a:t>
+              <a:t>5/10/2016</a:t>
             </a:fld>
             <a:endParaRPr lang="en-US"/>
           </a:p>
@@ -876,7 +878,7 @@
           <a:p>
             <a:fld id="{22F880B2-9842-47D4-A8D5-606D9FD2D962}" type="datetimeFigureOut">
               <a:rPr lang="en-US" smtClean="0"/>
-              <a:t>5/7/2016</a:t>
+              <a:t>5/10/2016</a:t>
             </a:fld>
             <a:endParaRPr lang="en-US"/>
           </a:p>
@@ -1066,7 +1068,7 @@
           <a:p>
             <a:fld id="{22F880B2-9842-47D4-A8D5-606D9FD2D962}" type="datetimeFigureOut">
               <a:rPr lang="en-US" smtClean="0"/>
-              <a:t>5/7/2016</a:t>
+              <a:t>5/10/2016</a:t>
             </a:fld>
             <a:endParaRPr lang="en-US"/>
           </a:p>
@@ -1322,7 +1324,7 @@
           <a:p>
             <a:fld id="{22F880B2-9842-47D4-A8D5-606D9FD2D962}" type="datetimeFigureOut">
               <a:rPr lang="en-US" smtClean="0"/>
-              <a:t>5/7/2016</a:t>
+              <a:t>5/10/2016</a:t>
             </a:fld>
             <a:endParaRPr lang="en-US"/>
           </a:p>
@@ -1610,7 +1612,7 @@
           <a:p>
             <a:fld id="{22F880B2-9842-47D4-A8D5-606D9FD2D962}" type="datetimeFigureOut">
               <a:rPr lang="en-US" smtClean="0"/>
-              <a:t>5/7/2016</a:t>
+              <a:t>5/10/2016</a:t>
             </a:fld>
             <a:endParaRPr lang="en-US"/>
           </a:p>
@@ -2048,7 +2050,7 @@
           <a:p>
             <a:fld id="{22F880B2-9842-47D4-A8D5-606D9FD2D962}" type="datetimeFigureOut">
               <a:rPr lang="en-US" smtClean="0"/>
-              <a:t>5/7/2016</a:t>
+              <a:t>5/10/2016</a:t>
             </a:fld>
             <a:endParaRPr lang="en-US"/>
           </a:p>
@@ -2166,7 +2168,7 @@
           <a:p>
             <a:fld id="{22F880B2-9842-47D4-A8D5-606D9FD2D962}" type="datetimeFigureOut">
               <a:rPr lang="en-US" smtClean="0"/>
-              <a:t>5/7/2016</a:t>
+              <a:t>5/10/2016</a:t>
             </a:fld>
             <a:endParaRPr lang="en-US"/>
           </a:p>
@@ -2261,7 +2263,7 @@
           <a:p>
             <a:fld id="{22F880B2-9842-47D4-A8D5-606D9FD2D962}" type="datetimeFigureOut">
               <a:rPr lang="en-US" smtClean="0"/>
-              <a:t>5/7/2016</a:t>
+              <a:t>5/10/2016</a:t>
             </a:fld>
             <a:endParaRPr lang="en-US"/>
           </a:p>
@@ -2617,7 +2619,7 @@
           <a:p>
             <a:fld id="{22F880B2-9842-47D4-A8D5-606D9FD2D962}" type="datetimeFigureOut">
               <a:rPr lang="en-US" smtClean="0"/>
-              <a:t>5/7/2016</a:t>
+              <a:t>5/10/2016</a:t>
             </a:fld>
             <a:endParaRPr lang="en-US"/>
           </a:p>
@@ -2797,7 +2799,7 @@
           <a:p>
             <a:fld id="{22F880B2-9842-47D4-A8D5-606D9FD2D962}" type="datetimeFigureOut">
               <a:rPr lang="en-US" smtClean="0"/>
-              <a:t>5/7/2016</a:t>
+              <a:t>5/10/2016</a:t>
             </a:fld>
             <a:endParaRPr lang="en-US"/>
           </a:p>
@@ -3103,7 +3105,7 @@
           <a:p>
             <a:fld id="{22F880B2-9842-47D4-A8D5-606D9FD2D962}" type="datetimeFigureOut">
               <a:rPr lang="en-US" smtClean="0"/>
-              <a:t>5/7/2016</a:t>
+              <a:t>5/10/2016</a:t>
             </a:fld>
             <a:endParaRPr lang="en-US"/>
           </a:p>
@@ -3293,7 +3295,7 @@
           <a:p>
             <a:fld id="{22F880B2-9842-47D4-A8D5-606D9FD2D962}" type="datetimeFigureOut">
               <a:rPr lang="en-US" smtClean="0"/>
-              <a:t>5/7/2016</a:t>
+              <a:t>5/10/2016</a:t>
             </a:fld>
             <a:endParaRPr lang="en-US"/>
           </a:p>
@@ -3473,7 +3475,7 @@
           <a:p>
             <a:fld id="{22F880B2-9842-47D4-A8D5-606D9FD2D962}" type="datetimeFigureOut">
               <a:rPr lang="en-US" smtClean="0"/>
-              <a:t>5/7/2016</a:t>
+              <a:t>5/10/2016</a:t>
             </a:fld>
             <a:endParaRPr lang="en-US"/>
           </a:p>
@@ -3724,7 +3726,7 @@
           <a:p>
             <a:fld id="{22F880B2-9842-47D4-A8D5-606D9FD2D962}" type="datetimeFigureOut">
               <a:rPr lang="en-US" smtClean="0"/>
-              <a:t>5/7/2016</a:t>
+              <a:t>5/10/2016</a:t>
             </a:fld>
             <a:endParaRPr lang="en-US"/>
           </a:p>
@@ -3956,7 +3958,7 @@
           <a:p>
             <a:fld id="{22F880B2-9842-47D4-A8D5-606D9FD2D962}" type="datetimeFigureOut">
               <a:rPr lang="en-US" smtClean="0"/>
-              <a:t>5/7/2016</a:t>
+              <a:t>5/10/2016</a:t>
             </a:fld>
             <a:endParaRPr lang="en-US"/>
           </a:p>
@@ -4303,7 +4305,7 @@
           <a:p>
             <a:fld id="{22F880B2-9842-47D4-A8D5-606D9FD2D962}" type="datetimeFigureOut">
               <a:rPr lang="en-US" smtClean="0"/>
-              <a:t>5/7/2016</a:t>
+              <a:t>5/10/2016</a:t>
             </a:fld>
             <a:endParaRPr lang="en-US"/>
           </a:p>
@@ -4421,7 +4423,7 @@
           <a:p>
             <a:fld id="{22F880B2-9842-47D4-A8D5-606D9FD2D962}" type="datetimeFigureOut">
               <a:rPr lang="en-US" smtClean="0"/>
-              <a:t>5/7/2016</a:t>
+              <a:t>5/10/2016</a:t>
             </a:fld>
             <a:endParaRPr lang="en-US"/>
           </a:p>
@@ -4539,7 +4541,7 @@
           <a:p>
             <a:fld id="{22F880B2-9842-47D4-A8D5-606D9FD2D962}" type="datetimeFigureOut">
               <a:rPr lang="en-US" smtClean="0"/>
-              <a:t>5/7/2016</a:t>
+              <a:t>5/10/2016</a:t>
             </a:fld>
             <a:endParaRPr lang="en-US"/>
           </a:p>
@@ -4823,7 +4825,7 @@
           <a:p>
             <a:fld id="{22F880B2-9842-47D4-A8D5-606D9FD2D962}" type="datetimeFigureOut">
               <a:rPr lang="en-US" smtClean="0"/>
-              <a:t>5/7/2016</a:t>
+              <a:t>5/10/2016</a:t>
             </a:fld>
             <a:endParaRPr lang="en-US"/>
           </a:p>
@@ -5087,7 +5089,7 @@
           <a:p>
             <a:fld id="{22F880B2-9842-47D4-A8D5-606D9FD2D962}" type="datetimeFigureOut">
               <a:rPr lang="en-US" smtClean="0"/>
-              <a:t>5/7/2016</a:t>
+              <a:t>5/10/2016</a:t>
             </a:fld>
             <a:endParaRPr lang="en-US"/>
           </a:p>
@@ -5301,7 +5303,7 @@
           <a:p>
             <a:fld id="{22F880B2-9842-47D4-A8D5-606D9FD2D962}" type="datetimeFigureOut">
               <a:rPr lang="en-US" smtClean="0"/>
-              <a:t>5/7/2016</a:t>
+              <a:t>5/10/2016</a:t>
             </a:fld>
             <a:endParaRPr lang="en-US"/>
           </a:p>
@@ -5830,7 +5832,7 @@
           <a:p>
             <a:fld id="{22F880B2-9842-47D4-A8D5-606D9FD2D962}" type="datetimeFigureOut">
               <a:rPr lang="en-US" smtClean="0"/>
-              <a:t>5/7/2016</a:t>
+              <a:t>5/10/2016</a:t>
             </a:fld>
             <a:endParaRPr lang="en-US"/>
           </a:p>
@@ -6412,11 +6414,7 @@
           <a:p>
             <a:r>
               <a:rPr lang="en-US" sz="1600" dirty="0" smtClean="0"/>
-              <a:t>Otniel </a:t>
-            </a:r>
-            <a:r>
-              <a:rPr lang="en-US" sz="1600" dirty="0" smtClean="0"/>
-              <a:t>Yehezkiel</a:t>
+              <a:t>Otniel Yehezkiel</a:t>
             </a:r>
           </a:p>
           <a:p>
@@ -7081,12 +7079,474 @@
             <p:ph type="title"/>
           </p:nvPr>
         </p:nvSpPr>
-        <p:spPr/>
+        <p:spPr>
+          <a:xfrm>
+            <a:off x="657224" y="499533"/>
+            <a:ext cx="10772775" cy="1332052"/>
+          </a:xfrm>
+        </p:spPr>
         <p:txBody>
           <a:bodyPr/>
           <a:lstStyle/>
           <a:p>
             <a:r>
+              <a:rPr lang="en-US" dirty="0" err="1" smtClean="0"/>
+              <a:t>Hasil</a:t>
+            </a:r>
+            <a:r>
+              <a:rPr lang="en-US" dirty="0" smtClean="0"/>
+              <a:t> </a:t>
+            </a:r>
+            <a:r>
+              <a:rPr lang="en-US" dirty="0" err="1" smtClean="0"/>
+              <a:t>Perbandingan</a:t>
+            </a:r>
+            <a:r>
+              <a:rPr lang="en-US" dirty="0" smtClean="0"/>
+              <a:t> Clustering</a:t>
+            </a:r>
+            <a:endParaRPr lang="en-US" dirty="0"/>
+          </a:p>
+        </p:txBody>
+      </p:sp>
+      <p:sp>
+        <p:nvSpPr>
+          <p:cNvPr id="3" name="Content Placeholder 2"/>
+          <p:cNvSpPr>
+            <a:spLocks noGrp="1"/>
+          </p:cNvSpPr>
+          <p:nvPr>
+            <p:ph idx="1"/>
+          </p:nvPr>
+        </p:nvSpPr>
+        <p:spPr>
+          <a:xfrm>
+            <a:off x="676656" y="5366084"/>
+            <a:ext cx="10753725" cy="411781"/>
+          </a:xfrm>
+        </p:spPr>
+        <p:txBody>
+          <a:bodyPr/>
+          <a:lstStyle/>
+          <a:p>
+            <a:r>
+              <a:rPr lang="en-US" dirty="0" smtClean="0"/>
+              <a:t>DBSCAN						BIRCH</a:t>
+            </a:r>
+            <a:endParaRPr lang="en-US" dirty="0"/>
+          </a:p>
+        </p:txBody>
+      </p:sp>
+      <p:pic>
+        <p:nvPicPr>
+          <p:cNvPr id="4" name="Picture 3"/>
+          <p:cNvPicPr>
+            <a:picLocks noChangeAspect="1"/>
+          </p:cNvPicPr>
+          <p:nvPr/>
+        </p:nvPicPr>
+        <p:blipFill>
+          <a:blip r:embed="rId2">
+            <a:extLst>
+              <a:ext uri="{28A0092B-C50C-407E-A947-70E740481C1C}">
+                <a14:useLocalDpi xmlns:a14="http://schemas.microsoft.com/office/drawing/2010/main" val="0"/>
+              </a:ext>
+            </a:extLst>
+          </a:blip>
+          <a:stretch>
+            <a:fillRect/>
+          </a:stretch>
+        </p:blipFill>
+        <p:spPr>
+          <a:xfrm>
+            <a:off x="526882" y="1831585"/>
+            <a:ext cx="4694823" cy="3534499"/>
+          </a:xfrm>
+          <a:prstGeom prst="rect">
+            <a:avLst/>
+          </a:prstGeom>
+        </p:spPr>
+      </p:pic>
+      <p:pic>
+        <p:nvPicPr>
+          <p:cNvPr id="5" name="Picture 4"/>
+          <p:cNvPicPr>
+            <a:picLocks noChangeAspect="1"/>
+          </p:cNvPicPr>
+          <p:nvPr/>
+        </p:nvPicPr>
+        <p:blipFill>
+          <a:blip r:embed="rId3">
+            <a:extLst>
+              <a:ext uri="{28A0092B-C50C-407E-A947-70E740481C1C}">
+                <a14:useLocalDpi xmlns:a14="http://schemas.microsoft.com/office/drawing/2010/main" val="0"/>
+              </a:ext>
+            </a:extLst>
+          </a:blip>
+          <a:stretch>
+            <a:fillRect/>
+          </a:stretch>
+        </p:blipFill>
+        <p:spPr>
+          <a:xfrm>
+            <a:off x="6087682" y="1744579"/>
+            <a:ext cx="4849023" cy="3621505"/>
+          </a:xfrm>
+          <a:prstGeom prst="rect">
+            <a:avLst/>
+          </a:prstGeom>
+        </p:spPr>
+      </p:pic>
+    </p:spTree>
+    <p:extLst>
+      <p:ext uri="{BB962C8B-B14F-4D97-AF65-F5344CB8AC3E}">
+        <p14:creationId xmlns:p14="http://schemas.microsoft.com/office/powerpoint/2010/main" val="597332429"/>
+      </p:ext>
+    </p:extLst>
+  </p:cSld>
+  <p:clrMapOvr>
+    <a:masterClrMapping/>
+  </p:clrMapOvr>
+</p:sld>
+</file>
+
+<file path=ppt/slides/slide12.xml><?xml version="1.0" encoding="utf-8"?>
+<p:sld xmlns:a="http://schemas.openxmlformats.org/drawingml/2006/main" xmlns:r="http://schemas.openxmlformats.org/officeDocument/2006/relationships" xmlns:p="http://schemas.openxmlformats.org/presentationml/2006/main">
+  <p:cSld>
+    <p:spTree>
+      <p:nvGrpSpPr>
+        <p:cNvPr id="1" name=""/>
+        <p:cNvGrpSpPr/>
+        <p:nvPr/>
+      </p:nvGrpSpPr>
+      <p:grpSpPr>
+        <a:xfrm>
+          <a:off x="0" y="0"/>
+          <a:ext cx="0" cy="0"/>
+          <a:chOff x="0" y="0"/>
+          <a:chExt cx="0" cy="0"/>
+        </a:xfrm>
+      </p:grpSpPr>
+      <p:sp>
+        <p:nvSpPr>
+          <p:cNvPr id="2" name="Title 1"/>
+          <p:cNvSpPr>
+            <a:spLocks noGrp="1"/>
+          </p:cNvSpPr>
+          <p:nvPr>
+            <p:ph type="title"/>
+          </p:nvPr>
+        </p:nvSpPr>
+        <p:spPr>
+          <a:xfrm>
+            <a:off x="573003" y="487501"/>
+            <a:ext cx="10772775" cy="1658198"/>
+          </a:xfrm>
+        </p:spPr>
+        <p:txBody>
+          <a:bodyPr/>
+          <a:lstStyle/>
+          <a:p>
+            <a:endParaRPr lang="en-US" dirty="0"/>
+          </a:p>
+        </p:txBody>
+      </p:sp>
+      <p:pic>
+        <p:nvPicPr>
+          <p:cNvPr id="4" name="Content Placeholder 3"/>
+          <p:cNvPicPr>
+            <a:picLocks noGrp="1" noChangeAspect="1"/>
+          </p:cNvPicPr>
+          <p:nvPr>
+            <p:ph idx="1"/>
+          </p:nvPr>
+        </p:nvPicPr>
+        <p:blipFill>
+          <a:blip r:embed="rId2">
+            <a:extLst>
+              <a:ext uri="{28A0092B-C50C-407E-A947-70E740481C1C}">
+                <a14:useLocalDpi xmlns:a14="http://schemas.microsoft.com/office/drawing/2010/main" val="0"/>
+              </a:ext>
+            </a:extLst>
+          </a:blip>
+          <a:stretch>
+            <a:fillRect/>
+          </a:stretch>
+        </p:blipFill>
+        <p:spPr>
+          <a:xfrm>
+            <a:off x="842194" y="1638385"/>
+            <a:ext cx="6283022" cy="3767137"/>
+          </a:xfrm>
+        </p:spPr>
+      </p:pic>
+      <p:sp>
+        <p:nvSpPr>
+          <p:cNvPr id="5" name="Content Placeholder 2"/>
+          <p:cNvSpPr txBox="1">
+            <a:spLocks/>
+          </p:cNvSpPr>
+          <p:nvPr/>
+        </p:nvSpPr>
+        <p:spPr>
+          <a:xfrm>
+            <a:off x="676656" y="5366084"/>
+            <a:ext cx="10753725" cy="411781"/>
+          </a:xfrm>
+          <a:prstGeom prst="rect">
+            <a:avLst/>
+          </a:prstGeom>
+        </p:spPr>
+        <p:txBody>
+          <a:bodyPr vert="horz" lIns="91440" tIns="45720" rIns="91440" bIns="45720" rtlCol="0">
+            <a:normAutofit/>
+          </a:bodyPr>
+          <a:lstStyle>
+            <a:lvl1pPr marL="91440" indent="-91440" algn="l" defTabSz="914400" rtl="0" eaLnBrk="1" latinLnBrk="0" hangingPunct="1">
+              <a:lnSpc>
+                <a:spcPct val="85000"/>
+              </a:lnSpc>
+              <a:spcBef>
+                <a:spcPts val="1300"/>
+              </a:spcBef>
+              <a:buFont typeface="Arial" pitchFamily="34" charset="0"/>
+              <a:buChar char=" "/>
+              <a:defRPr sz="2400" kern="1200">
+                <a:solidFill>
+                  <a:schemeClr val="tx1">
+                    <a:lumMod val="85000"/>
+                    <a:lumOff val="15000"/>
+                  </a:schemeClr>
+                </a:solidFill>
+                <a:latin typeface="+mn-lt"/>
+                <a:ea typeface="+mn-ea"/>
+                <a:cs typeface="+mn-cs"/>
+              </a:defRPr>
+            </a:lvl1pPr>
+            <a:lvl2pPr marL="347472" indent="-342900" algn="l" defTabSz="914400" rtl="0" eaLnBrk="1" latinLnBrk="0" hangingPunct="1">
+              <a:lnSpc>
+                <a:spcPct val="85000"/>
+              </a:lnSpc>
+              <a:spcBef>
+                <a:spcPts val="600"/>
+              </a:spcBef>
+              <a:buFont typeface="Arial" pitchFamily="34" charset="0"/>
+              <a:buChar char=" "/>
+              <a:defRPr sz="2400" kern="1200">
+                <a:solidFill>
+                  <a:schemeClr val="tx1">
+                    <a:lumMod val="85000"/>
+                    <a:lumOff val="15000"/>
+                  </a:schemeClr>
+                </a:solidFill>
+                <a:latin typeface="+mn-lt"/>
+                <a:ea typeface="+mn-ea"/>
+                <a:cs typeface="+mn-cs"/>
+              </a:defRPr>
+            </a:lvl2pPr>
+            <a:lvl3pPr marL="548640" indent="-548640" algn="l" defTabSz="914400" rtl="0" eaLnBrk="1" latinLnBrk="0" hangingPunct="1">
+              <a:lnSpc>
+                <a:spcPct val="85000"/>
+              </a:lnSpc>
+              <a:spcBef>
+                <a:spcPts val="600"/>
+              </a:spcBef>
+              <a:buFont typeface="Arial" pitchFamily="34" charset="0"/>
+              <a:buChar char=" "/>
+              <a:defRPr sz="2000" i="1" kern="1200">
+                <a:solidFill>
+                  <a:schemeClr val="tx1">
+                    <a:lumMod val="85000"/>
+                    <a:lumOff val="15000"/>
+                  </a:schemeClr>
+                </a:solidFill>
+                <a:latin typeface="+mn-lt"/>
+                <a:ea typeface="+mn-ea"/>
+                <a:cs typeface="+mn-cs"/>
+              </a:defRPr>
+            </a:lvl3pPr>
+            <a:lvl4pPr marL="822960" indent="-822960" algn="l" defTabSz="914400" rtl="0" eaLnBrk="1" latinLnBrk="0" hangingPunct="1">
+              <a:lnSpc>
+                <a:spcPct val="85000"/>
+              </a:lnSpc>
+              <a:spcBef>
+                <a:spcPts val="600"/>
+              </a:spcBef>
+              <a:buFont typeface="Arial" pitchFamily="34" charset="0"/>
+              <a:buChar char=" "/>
+              <a:defRPr sz="1800" kern="1200">
+                <a:solidFill>
+                  <a:schemeClr val="tx1">
+                    <a:lumMod val="85000"/>
+                    <a:lumOff val="15000"/>
+                  </a:schemeClr>
+                </a:solidFill>
+                <a:latin typeface="+mn-lt"/>
+                <a:ea typeface="+mn-ea"/>
+                <a:cs typeface="+mn-cs"/>
+              </a:defRPr>
+            </a:lvl4pPr>
+            <a:lvl5pPr marL="1097280" indent="-1097280" algn="l" defTabSz="914400" rtl="0" eaLnBrk="1" latinLnBrk="0" hangingPunct="1">
+              <a:lnSpc>
+                <a:spcPct val="85000"/>
+              </a:lnSpc>
+              <a:spcBef>
+                <a:spcPts val="600"/>
+              </a:spcBef>
+              <a:buFont typeface="Arial" pitchFamily="34" charset="0"/>
+              <a:buChar char=" "/>
+              <a:defRPr sz="1800" kern="1200">
+                <a:solidFill>
+                  <a:schemeClr val="tx1">
+                    <a:lumMod val="85000"/>
+                    <a:lumOff val="15000"/>
+                  </a:schemeClr>
+                </a:solidFill>
+                <a:latin typeface="+mn-lt"/>
+                <a:ea typeface="+mn-ea"/>
+                <a:cs typeface="+mn-cs"/>
+              </a:defRPr>
+            </a:lvl5pPr>
+            <a:lvl6pPr marL="1200000" indent="-228600" algn="l" defTabSz="914400" rtl="0" eaLnBrk="1" latinLnBrk="0" hangingPunct="1">
+              <a:lnSpc>
+                <a:spcPct val="85000"/>
+              </a:lnSpc>
+              <a:spcBef>
+                <a:spcPts val="600"/>
+              </a:spcBef>
+              <a:buFont typeface="Arial" pitchFamily="34" charset="0"/>
+              <a:buChar char=" "/>
+              <a:defRPr sz="1800" kern="1200">
+                <a:solidFill>
+                  <a:schemeClr val="tx1">
+                    <a:lumMod val="85000"/>
+                    <a:lumOff val="15000"/>
+                  </a:schemeClr>
+                </a:solidFill>
+                <a:latin typeface="+mn-lt"/>
+                <a:ea typeface="+mn-ea"/>
+                <a:cs typeface="+mn-cs"/>
+              </a:defRPr>
+            </a:lvl6pPr>
+            <a:lvl7pPr marL="1400000" indent="-228600" algn="l" defTabSz="914400" rtl="0" eaLnBrk="1" latinLnBrk="0" hangingPunct="1">
+              <a:lnSpc>
+                <a:spcPct val="85000"/>
+              </a:lnSpc>
+              <a:spcBef>
+                <a:spcPts val="600"/>
+              </a:spcBef>
+              <a:buFont typeface="Arial" pitchFamily="34" charset="0"/>
+              <a:buChar char=" "/>
+              <a:defRPr sz="1800" kern="1200">
+                <a:solidFill>
+                  <a:schemeClr val="tx1">
+                    <a:lumMod val="85000"/>
+                    <a:lumOff val="15000"/>
+                  </a:schemeClr>
+                </a:solidFill>
+                <a:latin typeface="+mn-lt"/>
+                <a:ea typeface="+mn-ea"/>
+                <a:cs typeface="+mn-cs"/>
+              </a:defRPr>
+            </a:lvl7pPr>
+            <a:lvl8pPr marL="1600000" indent="-228600" algn="l" defTabSz="914400" rtl="0" eaLnBrk="1" latinLnBrk="0" hangingPunct="1">
+              <a:lnSpc>
+                <a:spcPct val="85000"/>
+              </a:lnSpc>
+              <a:spcBef>
+                <a:spcPts val="600"/>
+              </a:spcBef>
+              <a:buFont typeface="Arial" pitchFamily="34" charset="0"/>
+              <a:buChar char=" "/>
+              <a:defRPr sz="1800" kern="1200">
+                <a:solidFill>
+                  <a:schemeClr val="tx1">
+                    <a:lumMod val="85000"/>
+                    <a:lumOff val="15000"/>
+                  </a:schemeClr>
+                </a:solidFill>
+                <a:latin typeface="+mn-lt"/>
+                <a:ea typeface="+mn-ea"/>
+                <a:cs typeface="+mn-cs"/>
+              </a:defRPr>
+            </a:lvl8pPr>
+            <a:lvl9pPr marL="1800000" indent="-228600" algn="l" defTabSz="914400" rtl="0" eaLnBrk="1" latinLnBrk="0" hangingPunct="1">
+              <a:lnSpc>
+                <a:spcPct val="85000"/>
+              </a:lnSpc>
+              <a:spcBef>
+                <a:spcPts val="600"/>
+              </a:spcBef>
+              <a:buFont typeface="Arial" pitchFamily="34" charset="0"/>
+              <a:buChar char=" "/>
+              <a:defRPr sz="1800" kern="1200">
+                <a:solidFill>
+                  <a:schemeClr val="tx1">
+                    <a:lumMod val="85000"/>
+                    <a:lumOff val="15000"/>
+                  </a:schemeClr>
+                </a:solidFill>
+                <a:latin typeface="+mn-lt"/>
+                <a:ea typeface="+mn-ea"/>
+                <a:cs typeface="+mn-cs"/>
+              </a:defRPr>
+            </a:lvl9pPr>
+          </a:lstStyle>
+          <a:p>
+            <a:r>
+              <a:rPr lang="en-US" dirty="0" smtClean="0"/>
+              <a:t>K-MEANS</a:t>
+            </a:r>
+            <a:endParaRPr lang="en-US" dirty="0"/>
+          </a:p>
+        </p:txBody>
+      </p:sp>
+    </p:spTree>
+    <p:extLst>
+      <p:ext uri="{BB962C8B-B14F-4D97-AF65-F5344CB8AC3E}">
+        <p14:creationId xmlns:p14="http://schemas.microsoft.com/office/powerpoint/2010/main" val="39676759"/>
+      </p:ext>
+    </p:extLst>
+  </p:cSld>
+  <p:clrMapOvr>
+    <a:masterClrMapping/>
+  </p:clrMapOvr>
+</p:sld>
+</file>
+
+<file path=ppt/slides/slide13.xml><?xml version="1.0" encoding="utf-8"?>
+<p:sld xmlns:a="http://schemas.openxmlformats.org/drawingml/2006/main" xmlns:r="http://schemas.openxmlformats.org/officeDocument/2006/relationships" xmlns:p="http://schemas.openxmlformats.org/presentationml/2006/main">
+  <p:cSld>
+    <p:spTree>
+      <p:nvGrpSpPr>
+        <p:cNvPr id="1" name=""/>
+        <p:cNvGrpSpPr/>
+        <p:nvPr/>
+      </p:nvGrpSpPr>
+      <p:grpSpPr>
+        <a:xfrm>
+          <a:off x="0" y="0"/>
+          <a:ext cx="0" cy="0"/>
+          <a:chOff x="0" y="0"/>
+          <a:chExt cx="0" cy="0"/>
+        </a:xfrm>
+      </p:grpSpPr>
+      <p:sp>
+        <p:nvSpPr>
+          <p:cNvPr id="2" name="Title 1"/>
+          <p:cNvSpPr>
+            <a:spLocks noGrp="1"/>
+          </p:cNvSpPr>
+          <p:nvPr>
+            <p:ph type="title"/>
+          </p:nvPr>
+        </p:nvSpPr>
+        <p:spPr/>
+        <p:txBody>
+          <a:bodyPr/>
+          <a:lstStyle/>
+          <a:p>
+            <a:r>
               <a:rPr lang="en-US" dirty="0" err="1"/>
               <a:t>Permasalahan</a:t>
             </a:r>
@@ -7249,7 +7709,6 @@
               <a:rPr lang="en-US" dirty="0" smtClean="0"/>
               <a:t> threshold Z yang paling optimal</a:t>
             </a:r>
-            <a:endParaRPr lang="en-US" dirty="0" smtClean="0"/>
           </a:p>
           <a:p>
             <a:r>
@@ -7680,7 +8139,6 @@
               <a:rPr lang="en-US" sz="1800" dirty="0" smtClean="0"/>
               <a:t> accelerometer. </a:t>
             </a:r>
-            <a:endParaRPr lang="en-US" sz="1800" dirty="0" smtClean="0"/>
           </a:p>
           <a:p>
             <a:r>
@@ -7756,11 +8214,7 @@
             </a:r>
             <a:r>
               <a:rPr lang="en-US" sz="1800" dirty="0" smtClean="0"/>
-              <a:t>. </a:t>
-            </a:r>
-            <a:r>
-              <a:rPr lang="en-US" sz="1800" dirty="0" smtClean="0"/>
-              <a:t>Data </a:t>
+              <a:t>. Data </a:t>
             </a:r>
             <a:r>
               <a:rPr lang="en-US" sz="1800" dirty="0" err="1" smtClean="0"/>
@@ -8042,11 +8496,7 @@
             </a:r>
             <a:r>
               <a:rPr lang="en-US" dirty="0" smtClean="0"/>
-              <a:t>. </a:t>
-            </a:r>
-            <a:r>
-              <a:rPr lang="en-US" dirty="0" smtClean="0"/>
-              <a:t>Server</a:t>
+              <a:t>. Server</a:t>
             </a:r>
           </a:p>
           <a:p>
